--- a/Meeting notes/ACRP_meeting_20160922.pptx
+++ b/Meeting notes/ACRP_meeting_20160922.pptx
@@ -293,7 +293,7 @@
             <a:fld id="{06F053B8-FB04-4AB0-A080-AB7AE9E56315}" type="datetimeFigureOut">
               <a:rPr lang="de-DE" smtClean="0"/>
               <a:pPr/>
-              <a:t>22.09.2016</a:t>
+              <a:t>26.09.2016</a:t>
             </a:fld>
             <a:endParaRPr lang="de-DE"/>
           </a:p>
@@ -460,7 +460,7 @@
             <a:fld id="{A4D91BE1-7962-4D26-99A9-07CE70F19314}" type="datetimeFigureOut">
               <a:rPr lang="de-DE" smtClean="0"/>
               <a:pPr/>
-              <a:t>22.09.2016</a:t>
+              <a:t>26.09.2016</a:t>
             </a:fld>
             <a:endParaRPr lang="de-DE"/>
           </a:p>
@@ -8455,7 +8455,7 @@
           <a:p>
             <a:fld id="{42F7B754-779B-4934-B293-AA25353C476A}" type="datetimeFigureOut">
               <a:rPr lang="en-US" smtClean="0"/>
-              <a:t>9/22/2016</a:t>
+              <a:t>9/26/2016</a:t>
             </a:fld>
             <a:endParaRPr lang="en-US"/>
           </a:p>
@@ -11289,11 +11289,7 @@
             </a:r>
             <a:r>
               <a:rPr lang="en-US" dirty="0" smtClean="0"/>
-              <a:t>22</a:t>
-            </a:r>
-            <a:r>
-              <a:rPr lang="en-US" dirty="0" smtClean="0"/>
-              <a:t>-09-2016</a:t>
+              <a:t>22-09-2016</a:t>
             </a:r>
             <a:r>
               <a:rPr lang="en-US" dirty="0"/>
@@ -11329,11 +11325,7 @@
           <a:p>
             <a:r>
               <a:rPr lang="sv-SE" sz="2400" dirty="0" smtClean="0"/>
-              <a:t>Mohammad</a:t>
-            </a:r>
-            <a:r>
-              <a:rPr lang="sv-SE" sz="2400" dirty="0" smtClean="0"/>
-              <a:t>, </a:t>
+              <a:t>Mohammad, </a:t>
             </a:r>
             <a:r>
               <a:rPr lang="sv-SE" sz="2400" dirty="0" err="1" smtClean="0"/>
@@ -11341,15 +11333,15 @@
             </a:r>
             <a:r>
               <a:rPr lang="sv-SE" sz="2400" dirty="0" smtClean="0"/>
-              <a:t>, Mia</a:t>
-            </a:r>
-            <a:r>
-              <a:rPr lang="sv-SE" sz="2400" dirty="0" smtClean="0"/>
-              <a:t>, Carlos, Hakan, Lars, </a:t>
-            </a:r>
-            <a:r>
-              <a:rPr lang="sv-SE" sz="2400" dirty="0" smtClean="0"/>
-              <a:t>Rene, Julian, Johan </a:t>
+              <a:t>, Mia, Carlos, Hakan, Lars, Rene, Julian</a:t>
+            </a:r>
+            <a:r>
+              <a:rPr lang="sv-SE" sz="2400" smtClean="0"/>
+              <a:t>, </a:t>
+            </a:r>
+            <a:r>
+              <a:rPr lang="sv-SE" sz="2400" smtClean="0"/>
+              <a:t>Johan  </a:t>
             </a:r>
             <a:endParaRPr lang="en-US" sz="2400" dirty="0"/>
           </a:p>
@@ -11429,11 +11421,7 @@
             </a:pPr>
             <a:r>
               <a:rPr lang="en-US" dirty="0" smtClean="0"/>
-              <a:t>Carlos will start </a:t>
-            </a:r>
-            <a:r>
-              <a:rPr lang="en-US" dirty="0" smtClean="0"/>
-              <a:t>setting up </a:t>
+              <a:t>Carlos will start setting up </a:t>
             </a:r>
             <a:r>
               <a:rPr lang="en-US" dirty="0" err="1" smtClean="0"/>
@@ -11447,7 +11435,6 @@
               <a:rPr lang="en-US" dirty="0" smtClean="0"/>
               <a:t>and help others to setting it up. The problem with AVL network is already solved. </a:t>
             </a:r>
-            <a:endParaRPr lang="en-US" dirty="0" smtClean="0"/>
           </a:p>
           <a:p>
             <a:pPr marL="342900" indent="-342900">
